--- a/spring15/slidesS15/uncountable.pptx
+++ b/spring15/slidesS15/uncountable.pptx
@@ -5,10 +5,10 @@
     <p:sldMasterId id="2147483650" r:id="rId1"/>
   </p:sldMasterIdLst>
   <p:notesMasterIdLst>
-    <p:notesMasterId r:id="rId18"/>
+    <p:notesMasterId r:id="rId17"/>
   </p:notesMasterIdLst>
   <p:handoutMasterIdLst>
-    <p:handoutMasterId r:id="rId19"/>
+    <p:handoutMasterId r:id="rId18"/>
   </p:handoutMasterIdLst>
   <p:sldIdLst>
     <p:sldId id="257" r:id="rId2"/>
@@ -22,16 +22,15 @@
     <p:sldId id="267" r:id="rId10"/>
     <p:sldId id="268" r:id="rId11"/>
     <p:sldId id="259" r:id="rId12"/>
-    <p:sldId id="274" r:id="rId13"/>
-    <p:sldId id="272" r:id="rId14"/>
+    <p:sldId id="272" r:id="rId13"/>
+    <p:sldId id="270" r:id="rId14"/>
     <p:sldId id="273" r:id="rId15"/>
-    <p:sldId id="270" r:id="rId16"/>
-    <p:sldId id="271" r:id="rId17"/>
+    <p:sldId id="271" r:id="rId16"/>
   </p:sldIdLst>
   <p:sldSz cx="9144000" cy="6858000" type="screen4x3"/>
   <p:notesSz cx="9601200" cy="7315200"/>
   <p:custDataLst>
-    <p:tags r:id="rId21"/>
+    <p:tags r:id="rId20"/>
   </p:custDataLst>
   <p:defaultTextStyle>
     <a:defPPr>
@@ -1540,23 +1539,7 @@
                 <a:latin typeface="Comic Sans MS" pitchFamily="66" charset="0"/>
                 <a:cs typeface="Comic Sans MS"/>
               </a:rPr>
-              <a:t>Albert R Meyer,      </a:t>
-            </a:r>
-            <a:r>
-              <a:rPr kumimoji="0" lang="en-US" sz="1200" b="0" i="0" u="none" strike="noStrike" kern="1200" cap="none" spc="0" normalizeH="0" baseline="0" noProof="0" dirty="0" smtClean="0">
-                <a:ln>
-                  <a:noFill/>
-                </a:ln>
-                <a:solidFill>
-                  <a:schemeClr val="tx1"/>
-                </a:solidFill>
-                <a:effectLst/>
-                <a:uLnTx/>
-                <a:uFillTx/>
-                <a:latin typeface="Comic Sans MS" pitchFamily="66" charset="0"/>
-                <a:cs typeface="Comic Sans MS"/>
-              </a:rPr>
-              <a:t>February 28, 2014</a:t>
+              <a:t>Albert R Meyer,      February 28, 2014</a:t>
             </a:r>
             <a:endParaRPr kumimoji="0" lang="en-US" sz="1200" b="0" i="0" u="none" strike="noStrike" kern="1200" cap="none" spc="0" normalizeH="0" baseline="0" noProof="0" dirty="0">
               <a:ln>
@@ -2182,14 +2165,6 @@
               </a:rPr>
               <a:t>(Un)Countable </a:t>
             </a:r>
-            <a:endParaRPr lang="en-US" sz="9600" kern="0" dirty="0" smtClean="0">
-              <a:solidFill>
-                <a:schemeClr val="tx2"/>
-              </a:solidFill>
-              <a:latin typeface="Comic Sans MS" pitchFamily="66" charset="0"/>
-              <a:ea typeface="+mj-ea"/>
-              <a:cs typeface="Comic Sans MS"/>
-            </a:endParaRPr>
           </a:p>
           <a:p>
             <a:pPr algn="ctr">
@@ -2214,11 +2189,11 @@
   <p:clrMapOvr>
     <a:masterClrMapping/>
   </p:clrMapOvr>
-  <mc:AlternateContent xmlns:mc="http://schemas.openxmlformats.org/markup-compatibility/2006">
-    <mc:Choice xmlns:p14="http://schemas.microsoft.com/office/powerpoint/2010/main" Requires="p14">
+  <mc:AlternateContent xmlns:mc="http://schemas.openxmlformats.org/markup-compatibility/2006" xmlns:p14="http://schemas.microsoft.com/office/powerpoint/2010/main">
+    <mc:Choice Requires="p14">
       <p:transition p14:dur="0" advClick="0"/>
     </mc:Choice>
-    <mc:Fallback>
+    <mc:Fallback xmlns="">
       <p:transition xmlns:p14="http://schemas.microsoft.com/office/powerpoint/2010/main" advClick="0"/>
     </mc:Fallback>
   </mc:AlternateContent>
@@ -2299,7 +2274,7 @@
           <a:graphicData uri="http://schemas.openxmlformats.org/presentationml/2006/ole">
             <mc:AlternateContent xmlns:mc="http://schemas.openxmlformats.org/markup-compatibility/2006">
               <mc:Choice xmlns:v="urn:schemas-microsoft-com:vml" Requires="v">
-                <p:oleObj spid="_x0000_s93191" name="Equation" r:id="rId3" imgW="1003300" imgH="393700" progId="Equation.DSMT4">
+                <p:oleObj spid="_x0000_s93198" name="Equation" r:id="rId3" imgW="1003300" imgH="393700" progId="Equation.DSMT4">
                   <p:embed/>
                 </p:oleObj>
               </mc:Choice>
@@ -2424,7 +2399,7 @@
             <a:graphicData uri="http://schemas.openxmlformats.org/presentationml/2006/ole">
               <mc:AlternateContent xmlns:mc="http://schemas.openxmlformats.org/markup-compatibility/2006">
                 <mc:Choice xmlns:v="urn:schemas-microsoft-com:vml" Requires="v">
-                  <p:oleObj spid="_x0000_s93192" name="Equation" r:id="rId5" imgW="165100" imgH="165100" progId="Equation.DSMT4">
+                  <p:oleObj spid="_x0000_s93199" name="Equation" r:id="rId5" imgW="165100" imgH="165100" progId="Equation.DSMT4">
                     <p:embed/>
                   </p:oleObj>
                 </mc:Choice>
@@ -2751,13 +2726,13 @@
   <p:clrMapOvr>
     <a:masterClrMapping/>
   </p:clrMapOvr>
-  <mc:AlternateContent xmlns:mc="http://schemas.openxmlformats.org/markup-compatibility/2006">
-    <mc:Choice xmlns:p14="http://schemas.microsoft.com/office/powerpoint/2010/main" Requires="p14">
+  <mc:AlternateContent xmlns:mc="http://schemas.openxmlformats.org/markup-compatibility/2006" xmlns:p14="http://schemas.microsoft.com/office/powerpoint/2010/main">
+    <mc:Choice Requires="p14">
       <p:transition spd="slow" p14:dur="1100" advClick="0">
         <p:fade thruBlk="1"/>
       </p:transition>
     </mc:Choice>
-    <mc:Fallback>
+    <mc:Fallback xmlns="">
       <p:transition xmlns:p14="http://schemas.microsoft.com/office/powerpoint/2010/main" spd="slow" advClick="0">
         <p:fade thruBlk="1"/>
       </p:transition>
@@ -3062,94 +3037,171 @@
       </p:grpSpPr>
       <p:sp>
         <p:nvSpPr>
-          <p:cNvPr id="2" name="Title 1"/>
-          <p:cNvSpPr>
-            <a:spLocks noGrp="1"/>
-          </p:cNvSpPr>
-          <p:nvPr>
-            <p:ph type="title"/>
-          </p:nvPr>
+          <p:cNvPr id="2" name="TextBox 1"/>
+          <p:cNvSpPr txBox="1"/>
+          <p:nvPr/>
         </p:nvSpPr>
         <p:spPr>
           <a:xfrm>
-            <a:off x="1651000" y="363537"/>
-            <a:ext cx="7036982" cy="1095540"/>
+            <a:off x="1351164" y="1472587"/>
+            <a:ext cx="6203892" cy="4524315"/>
           </a:xfrm>
+          <a:prstGeom prst="rect">
+            <a:avLst/>
+          </a:prstGeom>
+          <a:noFill/>
         </p:spPr>
         <p:txBody>
-          <a:bodyPr/>
+          <a:bodyPr wrap="none" rtlCol="0">
+            <a:spAutoFit/>
+          </a:bodyPr>
           <a:lstStyle/>
           <a:p>
-            <a:pPr algn="l"/>
-            <a:r>
-              <a:rPr lang="en-US" sz="4000" dirty="0" smtClean="0"/>
-              <a:t>Sequences of positive </a:t>
-            </a:r>
-            <a:r>
-              <a:rPr lang="en-US" sz="4000" dirty="0" err="1" smtClean="0"/>
-              <a:t>ints</a:t>
-            </a:r>
-            <a:endParaRPr lang="en-US" sz="4000" dirty="0"/>
+            <a:r>
+              <a:rPr lang="en-US" sz="7200" dirty="0" smtClean="0">
+                <a:solidFill>
+                  <a:srgbClr val="0000FF"/>
+                </a:solidFill>
+                <a:latin typeface="Comic Sans MS"/>
+                <a:cs typeface="Comic Sans MS"/>
+              </a:rPr>
+              <a:t>(0,14,22,9)</a:t>
+            </a:r>
+            <a:r>
+              <a:rPr lang="en-US" sz="7200" dirty="0" smtClean="0">
+                <a:latin typeface="Comic Sans MS"/>
+                <a:cs typeface="Comic Sans MS"/>
+              </a:rPr>
+              <a:t>,</a:t>
+            </a:r>
+          </a:p>
+          <a:p>
+            <a:r>
+              <a:rPr lang="en-US" sz="7200" dirty="0" smtClean="0">
+                <a:solidFill>
+                  <a:srgbClr val="0000FF"/>
+                </a:solidFill>
+                <a:latin typeface="Comic Sans MS"/>
+                <a:cs typeface="Comic Sans MS"/>
+              </a:rPr>
+              <a:t>(33)</a:t>
+            </a:r>
+            <a:r>
+              <a:rPr lang="en-US" sz="7200" dirty="0" smtClean="0">
+                <a:latin typeface="Comic Sans MS"/>
+                <a:cs typeface="Comic Sans MS"/>
+              </a:rPr>
+              <a:t>,</a:t>
+            </a:r>
+          </a:p>
+          <a:p>
+            <a:r>
+              <a:rPr lang="en-US" sz="7200" dirty="0" smtClean="0">
+                <a:solidFill>
+                  <a:srgbClr val="0000FF"/>
+                </a:solidFill>
+                <a:latin typeface="Comic Sans MS"/>
+                <a:cs typeface="Comic Sans MS"/>
+              </a:rPr>
+              <a:t>(2,3,5,7,11,13)</a:t>
+            </a:r>
+          </a:p>
+          <a:p>
+            <a:r>
+              <a:rPr lang="en-US" sz="7200" dirty="0">
+                <a:latin typeface="Comic Sans MS"/>
+                <a:cs typeface="Comic Sans MS"/>
+              </a:rPr>
+              <a:t>         </a:t>
+            </a:r>
+            <a:r>
+              <a:rPr lang="en-US" sz="7200" dirty="0" smtClean="0">
+                <a:latin typeface="Comic Sans MS"/>
+                <a:cs typeface="Comic Sans MS"/>
+              </a:rPr>
+              <a:t>⋮</a:t>
+            </a:r>
+            <a:endParaRPr lang="en-US" sz="7200" dirty="0" smtClean="0">
+              <a:latin typeface="Comic Sans MS"/>
+              <a:cs typeface="Comic Sans MS"/>
+            </a:endParaRPr>
           </a:p>
         </p:txBody>
       </p:sp>
-    </p:spTree>
-    <p:extLst>
-      <p:ext uri="{BB962C8B-B14F-4D97-AF65-F5344CB8AC3E}">
-        <p14:creationId xmlns:p14="http://schemas.microsoft.com/office/powerpoint/2010/main" val="2205546158"/>
-      </p:ext>
-    </p:extLst>
-  </p:cSld>
-  <p:clrMapOvr>
-    <a:masterClrMapping/>
-  </p:clrMapOvr>
-  <p:transition xmlns:p14="http://schemas.microsoft.com/office/powerpoint/2010/main" spd="slow" advClick="0">
-    <p:fade thruBlk="1"/>
-  </p:transition>
-  <p:timing>
-    <p:tnLst>
-      <p:par>
-        <p:cTn xmlns:p14="http://schemas.microsoft.com/office/powerpoint/2010/main" id="1" dur="indefinite" restart="never" nodeType="tmRoot"/>
-      </p:par>
-    </p:tnLst>
-  </p:timing>
-</p:sld>
-</file>
-
-<file path=ppt/slides/slide13.xml><?xml version="1.0" encoding="utf-8"?>
-<p:sld xmlns:a="http://schemas.openxmlformats.org/drawingml/2006/main" xmlns:r="http://schemas.openxmlformats.org/officeDocument/2006/relationships" xmlns:p="http://schemas.openxmlformats.org/presentationml/2006/main">
-  <p:cSld>
-    <p:spTree>
-      <p:nvGrpSpPr>
-        <p:cNvPr id="1" name=""/>
-        <p:cNvGrpSpPr/>
-        <p:nvPr/>
-      </p:nvGrpSpPr>
-      <p:grpSpPr>
-        <a:xfrm>
-          <a:off x="0" y="0"/>
-          <a:ext cx="0" cy="0"/>
-          <a:chOff x="0" y="0"/>
-          <a:chExt cx="0" cy="0"/>
-        </a:xfrm>
-      </p:grpSpPr>
       <p:grpSp>
         <p:nvGrpSpPr>
-          <p:cNvPr id="5" name="Group 4"/>
+          <p:cNvPr id="10" name="Group 9"/>
           <p:cNvGrpSpPr/>
           <p:nvPr/>
         </p:nvGrpSpPr>
         <p:grpSpPr>
           <a:xfrm>
-            <a:off x="1651000" y="111707"/>
-            <a:ext cx="7036982" cy="1347370"/>
-            <a:chOff x="1651000" y="111707"/>
-            <a:chExt cx="7036982" cy="1347370"/>
+            <a:off x="1461832" y="93337"/>
+            <a:ext cx="6825174" cy="1203620"/>
+            <a:chOff x="1151056" y="93337"/>
+            <a:chExt cx="6825174" cy="1203620"/>
           </a:xfrm>
         </p:grpSpPr>
+        <p:graphicFrame>
+          <p:nvGraphicFramePr>
+            <p:cNvPr id="11" name="Object 10"/>
+            <p:cNvGraphicFramePr>
+              <a:graphicFrameLocks noChangeAspect="1"/>
+            </p:cNvGraphicFramePr>
+            <p:nvPr>
+              <p:extLst>
+                <p:ext uri="{D42A27DB-BD31-4B8C-83A1-F6EECF244321}">
+                  <p14:modId xmlns:p14="http://schemas.microsoft.com/office/powerpoint/2010/main" val="3688056313"/>
+                </p:ext>
+              </p:extLst>
+            </p:nvPr>
+          </p:nvGraphicFramePr>
+          <p:xfrm>
+            <a:off x="7080880" y="167595"/>
+            <a:ext cx="895350" cy="896938"/>
+          </p:xfrm>
+          <a:graphic>
+            <a:graphicData uri="http://schemas.openxmlformats.org/presentationml/2006/ole">
+              <mc:AlternateContent xmlns:mc="http://schemas.openxmlformats.org/markup-compatibility/2006">
+                <mc:Choice xmlns:v="urn:schemas-microsoft-com:vml" Requires="v">
+                  <p:oleObj spid="_x0000_s97287" name="Equation" r:id="rId3" imgW="165100" imgH="165100" progId="Equation.DSMT4">
+                    <p:embed/>
+                  </p:oleObj>
+                </mc:Choice>
+                <mc:Fallback>
+                  <p:oleObj name="Equation" r:id="rId3" imgW="165100" imgH="165100" progId="Equation.DSMT4">
+                    <p:embed/>
+                    <p:pic>
+                      <p:nvPicPr>
+                        <p:cNvPr id="0" name=""/>
+                        <p:cNvPicPr/>
+                        <p:nvPr/>
+                      </p:nvPicPr>
+                      <p:blipFill>
+                        <a:blip r:embed="rId4"/>
+                        <a:stretch>
+                          <a:fillRect/>
+                        </a:stretch>
+                      </p:blipFill>
+                      <p:spPr>
+                        <a:xfrm>
+                          <a:off x="7080880" y="167595"/>
+                          <a:ext cx="895350" cy="896938"/>
+                        </a:xfrm>
+                        <a:prstGeom prst="rect">
+                          <a:avLst/>
+                        </a:prstGeom>
+                      </p:spPr>
+                    </p:pic>
+                  </p:oleObj>
+                </mc:Fallback>
+              </mc:AlternateContent>
+            </a:graphicData>
+          </a:graphic>
+        </p:graphicFrame>
         <p:sp>
           <p:nvSpPr>
-            <p:cNvPr id="6" name="Title 1"/>
+            <p:cNvPr id="12" name="Title 1"/>
             <p:cNvSpPr txBox="1">
               <a:spLocks/>
             </p:cNvSpPr>
@@ -3157,8 +3209,8 @@
           </p:nvSpPr>
           <p:spPr bwMode="auto">
             <a:xfrm>
-              <a:off x="1651000" y="363537"/>
-              <a:ext cx="7036982" cy="1095540"/>
+              <a:off x="1151056" y="93337"/>
+              <a:ext cx="6212780" cy="1203620"/>
             </a:xfrm>
             <a:prstGeom prst="rect">
               <a:avLst/>
@@ -3317,72 +3369,14 @@
               </a:lvl9pPr>
             </a:lstStyle>
             <a:p>
-              <a:pPr algn="l"/>
               <a:r>
-                <a:rPr lang="en-US" sz="4000" dirty="0" smtClean="0"/>
-                <a:t>Sequences of </a:t>
+                <a:rPr lang="en-US" sz="4400" dirty="0" smtClean="0"/>
+                <a:t>Finite Sequences of</a:t>
               </a:r>
-              <a:endParaRPr lang="en-US" sz="4000" dirty="0"/>
+              <a:endParaRPr lang="en-US" sz="4400" dirty="0"/>
             </a:p>
           </p:txBody>
         </p:sp>
-        <p:graphicFrame>
-          <p:nvGraphicFramePr>
-            <p:cNvPr id="7" name="Object 6"/>
-            <p:cNvGraphicFramePr>
-              <a:graphicFrameLocks noChangeAspect="1"/>
-            </p:cNvGraphicFramePr>
-            <p:nvPr>
-              <p:extLst>
-                <p:ext uri="{D42A27DB-BD31-4B8C-83A1-F6EECF244321}">
-                  <p14:modId xmlns:p14="http://schemas.microsoft.com/office/powerpoint/2010/main" val="2813339203"/>
-                </p:ext>
-              </p:extLst>
-            </p:nvPr>
-          </p:nvGraphicFramePr>
-          <p:xfrm>
-            <a:off x="5254442" y="111707"/>
-            <a:ext cx="1171739" cy="1171739"/>
-          </p:xfrm>
-          <a:graphic>
-            <a:graphicData uri="http://schemas.openxmlformats.org/presentationml/2006/ole">
-              <mc:AlternateContent xmlns:mc="http://schemas.openxmlformats.org/markup-compatibility/2006">
-                <mc:Choice xmlns:v="urn:schemas-microsoft-com:vml" Requires="v">
-                  <p:oleObj spid="_x0000_s97282" name="Equation" r:id="rId3" imgW="215900" imgH="215900" progId="Equation.DSMT4">
-                    <p:embed/>
-                  </p:oleObj>
-                </mc:Choice>
-                <mc:Fallback>
-                  <p:oleObj name="Equation" r:id="rId3" imgW="215900" imgH="215900" progId="Equation.DSMT4">
-                    <p:embed/>
-                    <p:pic>
-                      <p:nvPicPr>
-                        <p:cNvPr id="0" name=""/>
-                        <p:cNvPicPr/>
-                        <p:nvPr/>
-                      </p:nvPicPr>
-                      <p:blipFill>
-                        <a:blip r:embed="rId4"/>
-                        <a:stretch>
-                          <a:fillRect/>
-                        </a:stretch>
-                      </p:blipFill>
-                      <p:spPr>
-                        <a:xfrm>
-                          <a:off x="5254442" y="111707"/>
-                          <a:ext cx="1171739" cy="1171739"/>
-                        </a:xfrm>
-                        <a:prstGeom prst="rect">
-                          <a:avLst/>
-                        </a:prstGeom>
-                      </p:spPr>
-                    </p:pic>
-                  </p:oleObj>
-                </mc:Fallback>
-              </mc:AlternateContent>
-            </a:graphicData>
-          </a:graphic>
-        </p:graphicFrame>
       </p:grpSp>
     </p:spTree>
     <p:extLst>
@@ -3394,13 +3388,13 @@
   <p:clrMapOvr>
     <a:masterClrMapping/>
   </p:clrMapOvr>
-  <mc:AlternateContent xmlns:mc="http://schemas.openxmlformats.org/markup-compatibility/2006">
-    <mc:Choice xmlns:p14="http://schemas.microsoft.com/office/powerpoint/2010/main" Requires="p14">
+  <mc:AlternateContent xmlns:mc="http://schemas.openxmlformats.org/markup-compatibility/2006" xmlns:p14="http://schemas.microsoft.com/office/powerpoint/2010/main">
+    <mc:Choice Requires="p14">
       <p:transition spd="med" p14:dur="700" advClick="0">
         <p:fade/>
       </p:transition>
     </mc:Choice>
-    <mc:Fallback>
+    <mc:Fallback xmlns="">
       <p:transition xmlns:p14="http://schemas.microsoft.com/office/powerpoint/2010/main" spd="med" advClick="0">
         <p:fade/>
       </p:transition>
@@ -3416,7 +3410,7 @@
 </p:sld>
 </file>
 
-<file path=ppt/slides/slide14.xml><?xml version="1.0" encoding="utf-8"?>
+<file path=ppt/slides/slide13.xml><?xml version="1.0" encoding="utf-8"?>
 <p:sld xmlns:a="http://schemas.openxmlformats.org/drawingml/2006/main" xmlns:r="http://schemas.openxmlformats.org/officeDocument/2006/relationships" xmlns:p="http://schemas.openxmlformats.org/presentationml/2006/main">
   <p:cSld>
     <p:spTree>
@@ -3442,7 +3436,7 @@
         <p:spPr>
           <a:xfrm>
             <a:off x="216185" y="1499604"/>
-            <a:ext cx="8647445" cy="2954655"/>
+            <a:ext cx="8647445" cy="3477875"/>
           </a:xfrm>
           <a:prstGeom prst="rect">
             <a:avLst/>
@@ -3532,7 +3526,89 @@
             </a:r>
           </a:p>
           <a:p>
-            <a:endParaRPr lang="en-US" sz="4400" dirty="0">
+            <a:r>
+              <a:rPr lang="en-US" sz="4400" dirty="0" smtClean="0">
+                <a:solidFill>
+                  <a:srgbClr val="0000FF"/>
+                </a:solidFill>
+                <a:latin typeface="Comic Sans MS"/>
+                <a:cs typeface="Comic Sans MS"/>
+              </a:rPr>
+              <a:t>e(45) = e(2</a:t>
+            </a:r>
+            <a:r>
+              <a:rPr lang="en-US" sz="4400" baseline="30000" dirty="0" smtClean="0">
+                <a:solidFill>
+                  <a:srgbClr val="0000FF"/>
+                </a:solidFill>
+                <a:latin typeface="Comic Sans MS"/>
+                <a:cs typeface="Comic Sans MS"/>
+              </a:rPr>
+              <a:t>0</a:t>
+            </a:r>
+            <a:r>
+              <a:rPr lang="en-US" sz="4400" dirty="0" smtClean="0">
+                <a:solidFill>
+                  <a:srgbClr val="0000FF"/>
+                </a:solidFill>
+                <a:latin typeface="Comic Sans MS"/>
+                <a:cs typeface="Comic Sans MS"/>
+              </a:rPr>
+              <a:t>3</a:t>
+            </a:r>
+            <a:r>
+              <a:rPr lang="en-US" sz="4400" baseline="30000" dirty="0" smtClean="0">
+                <a:solidFill>
+                  <a:srgbClr val="0000FF"/>
+                </a:solidFill>
+                <a:latin typeface="Comic Sans MS"/>
+                <a:cs typeface="Comic Sans MS"/>
+              </a:rPr>
+              <a:t>2</a:t>
+            </a:r>
+            <a:r>
+              <a:rPr lang="en-US" sz="4400" dirty="0" smtClean="0">
+                <a:solidFill>
+                  <a:srgbClr val="0000FF"/>
+                </a:solidFill>
+                <a:latin typeface="Comic Sans MS"/>
+                <a:cs typeface="Comic Sans MS"/>
+              </a:rPr>
+              <a:t>5</a:t>
+            </a:r>
+            <a:r>
+              <a:rPr lang="en-US" sz="4400" baseline="30000" dirty="0" smtClean="0">
+                <a:solidFill>
+                  <a:srgbClr val="0000FF"/>
+                </a:solidFill>
+                <a:latin typeface="Comic Sans MS"/>
+                <a:cs typeface="Comic Sans MS"/>
+              </a:rPr>
+              <a:t>1</a:t>
+            </a:r>
+            <a:r>
+              <a:rPr lang="en-US" sz="4400" dirty="0" smtClean="0">
+                <a:solidFill>
+                  <a:srgbClr val="0000FF"/>
+                </a:solidFill>
+                <a:latin typeface="Comic Sans MS"/>
+                <a:cs typeface="Comic Sans MS"/>
+              </a:rPr>
+              <a:t>) = (0,2,1)</a:t>
+            </a:r>
+          </a:p>
+          <a:p>
+            <a:r>
+              <a:rPr lang="en-US" sz="4400" dirty="0" smtClean="0">
+                <a:solidFill>
+                  <a:srgbClr val="0000FF"/>
+                </a:solidFill>
+                <a:latin typeface="Comic Sans MS"/>
+                <a:cs typeface="Comic Sans MS"/>
+              </a:rPr>
+              <a:t>e(</a:t>
+            </a:r>
+            <a:endParaRPr lang="en-US" sz="4400" dirty="0" smtClean="0">
               <a:solidFill>
                 <a:srgbClr val="0000FF"/>
               </a:solidFill>
@@ -3541,97 +3617,7 @@
             </a:endParaRPr>
           </a:p>
           <a:p>
-            <a:r>
-              <a:rPr lang="en-US" sz="5400" dirty="0" smtClean="0">
-                <a:solidFill>
-                  <a:srgbClr val="0000FF"/>
-                </a:solidFill>
-                <a:latin typeface="Comic Sans MS"/>
-                <a:cs typeface="Comic Sans MS"/>
-              </a:rPr>
-              <a:t>e(3</a:t>
-            </a:r>
-            <a:r>
-              <a:rPr lang="en-US" sz="5400" baseline="30000" dirty="0" smtClean="0">
-                <a:solidFill>
-                  <a:srgbClr val="0000FF"/>
-                </a:solidFill>
-                <a:latin typeface="Comic Sans MS"/>
-                <a:cs typeface="Comic Sans MS"/>
-              </a:rPr>
-              <a:t>4</a:t>
-            </a:r>
-            <a:r>
-              <a:rPr lang="en-US" sz="5400" dirty="0" smtClean="0">
-                <a:solidFill>
-                  <a:srgbClr val="0000FF"/>
-                </a:solidFill>
-                <a:latin typeface="Comic Sans MS"/>
-                <a:cs typeface="Comic Sans MS"/>
-              </a:rPr>
-              <a:t> 7</a:t>
-            </a:r>
-            <a:r>
-              <a:rPr lang="en-US" sz="5400" baseline="30000" dirty="0" smtClean="0">
-                <a:solidFill>
-                  <a:srgbClr val="0000FF"/>
-                </a:solidFill>
-                <a:latin typeface="Comic Sans MS"/>
-                <a:cs typeface="Comic Sans MS"/>
-              </a:rPr>
-              <a:t>22</a:t>
-            </a:r>
-            <a:r>
-              <a:rPr lang="en-US" sz="5400" dirty="0" smtClean="0">
-                <a:solidFill>
-                  <a:srgbClr val="0000FF"/>
-                </a:solidFill>
-                <a:latin typeface="Comic Sans MS"/>
-                <a:cs typeface="Comic Sans MS"/>
-              </a:rPr>
-              <a:t> 23</a:t>
-            </a:r>
-            <a:r>
-              <a:rPr lang="en-US" sz="5400" baseline="30000" dirty="0" smtClean="0">
-                <a:solidFill>
-                  <a:srgbClr val="0000FF"/>
-                </a:solidFill>
-                <a:latin typeface="Comic Sans MS"/>
-                <a:cs typeface="Comic Sans MS"/>
-              </a:rPr>
-              <a:t>11</a:t>
-            </a:r>
-            <a:r>
-              <a:rPr lang="en-US" sz="5400" dirty="0" smtClean="0">
-                <a:solidFill>
-                  <a:srgbClr val="0000FF"/>
-                </a:solidFill>
-                <a:latin typeface="Comic Sans MS"/>
-                <a:cs typeface="Comic Sans MS"/>
-              </a:rPr>
-              <a:t>) </a:t>
-            </a:r>
-            <a:r>
-              <a:rPr lang="en-US" sz="5400" b="1" dirty="0" smtClean="0">
-                <a:solidFill>
-                  <a:srgbClr val="0000FF"/>
-                </a:solidFill>
-                <a:latin typeface="Euclid Symbol" charset="2"/>
-                <a:cs typeface="Euclid Symbol" charset="2"/>
-              </a:rPr>
-              <a:t>=  </a:t>
-            </a:r>
-            <a:r>
-              <a:rPr lang="en-US" sz="5400" dirty="0" smtClean="0">
-                <a:solidFill>
-                  <a:srgbClr val="0000FF"/>
-                </a:solidFill>
-                <a:latin typeface="Comic Sans MS"/>
-                <a:cs typeface="Comic Sans MS"/>
-              </a:rPr>
-              <a:t>(4, 22, 11)</a:t>
-            </a:r>
-            <a:endParaRPr lang="en-US" sz="5400" dirty="0" smtClean="0">
+            <a:endParaRPr lang="en-US" sz="4400" dirty="0">
               <a:solidFill>
                 <a:srgbClr val="0000FF"/>
               </a:solidFill>
@@ -3643,21 +3629,78 @@
       </p:sp>
       <p:grpSp>
         <p:nvGrpSpPr>
-          <p:cNvPr id="5" name="Group 4"/>
+          <p:cNvPr id="2" name="Group 1"/>
           <p:cNvGrpSpPr/>
           <p:nvPr/>
         </p:nvGrpSpPr>
         <p:grpSpPr>
           <a:xfrm>
-            <a:off x="1651000" y="111707"/>
-            <a:ext cx="7036982" cy="1347370"/>
-            <a:chOff x="1651000" y="111707"/>
-            <a:chExt cx="7036982" cy="1347370"/>
+            <a:off x="1461832" y="93337"/>
+            <a:ext cx="6825174" cy="1203620"/>
+            <a:chOff x="1151056" y="93337"/>
+            <a:chExt cx="6825174" cy="1203620"/>
           </a:xfrm>
         </p:grpSpPr>
+        <p:graphicFrame>
+          <p:nvGraphicFramePr>
+            <p:cNvPr id="11" name="Object 10"/>
+            <p:cNvGraphicFramePr>
+              <a:graphicFrameLocks noChangeAspect="1"/>
+            </p:cNvGraphicFramePr>
+            <p:nvPr>
+              <p:extLst>
+                <p:ext uri="{D42A27DB-BD31-4B8C-83A1-F6EECF244321}">
+                  <p14:modId xmlns:p14="http://schemas.microsoft.com/office/powerpoint/2010/main" val="1621232384"/>
+                </p:ext>
+              </p:extLst>
+            </p:nvPr>
+          </p:nvGraphicFramePr>
+          <p:xfrm>
+            <a:off x="7080880" y="167595"/>
+            <a:ext cx="895350" cy="896938"/>
+          </p:xfrm>
+          <a:graphic>
+            <a:graphicData uri="http://schemas.openxmlformats.org/presentationml/2006/ole">
+              <mc:AlternateContent xmlns:mc="http://schemas.openxmlformats.org/markup-compatibility/2006">
+                <mc:Choice xmlns:v="urn:schemas-microsoft-com:vml" Requires="v">
+                  <p:oleObj spid="_x0000_s94226" name="Equation" r:id="rId3" imgW="165100" imgH="165100" progId="Equation.DSMT4">
+                    <p:embed/>
+                  </p:oleObj>
+                </mc:Choice>
+                <mc:Fallback>
+                  <p:oleObj name="Equation" r:id="rId3" imgW="165100" imgH="165100" progId="Equation.DSMT4">
+                    <p:embed/>
+                    <p:pic>
+                      <p:nvPicPr>
+                        <p:cNvPr id="0" name=""/>
+                        <p:cNvPicPr/>
+                        <p:nvPr/>
+                      </p:nvPicPr>
+                      <p:blipFill>
+                        <a:blip r:embed="rId4"/>
+                        <a:stretch>
+                          <a:fillRect/>
+                        </a:stretch>
+                      </p:blipFill>
+                      <p:spPr>
+                        <a:xfrm>
+                          <a:off x="7080880" y="167595"/>
+                          <a:ext cx="895350" cy="896938"/>
+                        </a:xfrm>
+                        <a:prstGeom prst="rect">
+                          <a:avLst/>
+                        </a:prstGeom>
+                      </p:spPr>
+                    </p:pic>
+                  </p:oleObj>
+                </mc:Fallback>
+              </mc:AlternateContent>
+            </a:graphicData>
+          </a:graphic>
+        </p:graphicFrame>
         <p:sp>
           <p:nvSpPr>
-            <p:cNvPr id="6" name="Title 1"/>
+            <p:cNvPr id="12" name="Title 1"/>
             <p:cNvSpPr txBox="1">
               <a:spLocks/>
             </p:cNvSpPr>
@@ -3665,8 +3708,8 @@
           </p:nvSpPr>
           <p:spPr bwMode="auto">
             <a:xfrm>
-              <a:off x="1651000" y="363537"/>
-              <a:ext cx="7036982" cy="1095540"/>
+              <a:off x="1151056" y="93337"/>
+              <a:ext cx="6212780" cy="1203620"/>
             </a:xfrm>
             <a:prstGeom prst="rect">
               <a:avLst/>
@@ -3825,190 +3868,39 @@
               </a:lvl9pPr>
             </a:lstStyle>
             <a:p>
-              <a:pPr algn="l"/>
               <a:r>
-                <a:rPr lang="en-US" sz="4000" dirty="0" smtClean="0"/>
-                <a:t>Sequences of </a:t>
+                <a:rPr lang="en-US" sz="4400" dirty="0" smtClean="0"/>
+                <a:t>Finite Sequences of</a:t>
               </a:r>
-              <a:endParaRPr lang="en-US" sz="4000" dirty="0"/>
+              <a:endParaRPr lang="en-US" sz="4400" dirty="0"/>
             </a:p>
           </p:txBody>
         </p:sp>
-        <p:graphicFrame>
-          <p:nvGraphicFramePr>
-            <p:cNvPr id="7" name="Object 6"/>
-            <p:cNvGraphicFramePr>
-              <a:graphicFrameLocks noChangeAspect="1"/>
-            </p:cNvGraphicFramePr>
-            <p:nvPr>
-              <p:extLst>
-                <p:ext uri="{D42A27DB-BD31-4B8C-83A1-F6EECF244321}">
-                  <p14:modId xmlns:p14="http://schemas.microsoft.com/office/powerpoint/2010/main" val="2813339203"/>
-                </p:ext>
-              </p:extLst>
-            </p:nvPr>
-          </p:nvGraphicFramePr>
-          <p:xfrm>
-            <a:off x="5254442" y="111707"/>
-            <a:ext cx="1171739" cy="1171739"/>
-          </p:xfrm>
-          <a:graphic>
-            <a:graphicData uri="http://schemas.openxmlformats.org/presentationml/2006/ole">
-              <mc:AlternateContent xmlns:mc="http://schemas.openxmlformats.org/markup-compatibility/2006">
-                <mc:Choice xmlns:v="urn:schemas-microsoft-com:vml" Requires="v">
-                  <p:oleObj spid="_x0000_s98306" name="Equation" r:id="rId3" imgW="215900" imgH="215900" progId="Equation.DSMT4">
-                    <p:embed/>
-                  </p:oleObj>
-                </mc:Choice>
-                <mc:Fallback>
-                  <p:oleObj name="Equation" r:id="rId3" imgW="215900" imgH="215900" progId="Equation.DSMT4">
-                    <p:embed/>
-                    <p:pic>
-                      <p:nvPicPr>
-                        <p:cNvPr id="0" name=""/>
-                        <p:cNvPicPr/>
-                        <p:nvPr/>
-                      </p:nvPicPr>
-                      <p:blipFill>
-                        <a:blip r:embed="rId4"/>
-                        <a:stretch>
-                          <a:fillRect/>
-                        </a:stretch>
-                      </p:blipFill>
-                      <p:spPr>
-                        <a:xfrm>
-                          <a:off x="5254442" y="111707"/>
-                          <a:ext cx="1171739" cy="1171739"/>
-                        </a:xfrm>
-                        <a:prstGeom prst="rect">
-                          <a:avLst/>
-                        </a:prstGeom>
-                      </p:spPr>
-                    </p:pic>
-                  </p:oleObj>
-                </mc:Fallback>
-              </mc:AlternateContent>
-            </a:graphicData>
-          </a:graphic>
-        </p:graphicFrame>
       </p:grpSp>
     </p:spTree>
     <p:extLst>
       <p:ext uri="{BB962C8B-B14F-4D97-AF65-F5344CB8AC3E}">
-        <p14:creationId xmlns:p14="http://schemas.microsoft.com/office/powerpoint/2010/main" val="1081565282"/>
+        <p14:creationId xmlns:p14="http://schemas.microsoft.com/office/powerpoint/2010/main" val="4001114268"/>
       </p:ext>
     </p:extLst>
   </p:cSld>
   <p:clrMapOvr>
     <a:masterClrMapping/>
   </p:clrMapOvr>
-  <mc:AlternateContent xmlns:mc="http://schemas.openxmlformats.org/markup-compatibility/2006">
-    <mc:Choice xmlns:p14="http://schemas.microsoft.com/office/powerpoint/2010/main" Requires="p14">
-      <p:transition spd="med" p14:dur="600" advClick="0">
-        <p:fade/>
-      </p:transition>
-    </mc:Choice>
-    <mc:Fallback>
-      <p:transition xmlns:p14="http://schemas.microsoft.com/office/powerpoint/2010/main" spd="med" advClick="0">
-        <p:fade/>
-      </p:transition>
-    </mc:Fallback>
-  </mc:AlternateContent>
+  <p:transition xmlns:p14="http://schemas.microsoft.com/office/powerpoint/2010/main" spd="slow" advClick="0">
+    <p:fade/>
+  </p:transition>
   <p:timing>
     <p:tnLst>
       <p:par>
-        <p:cTn xmlns:p14="http://schemas.microsoft.com/office/powerpoint/2010/main" id="1" dur="indefinite" restart="never" nodeType="tmRoot">
-          <p:childTnLst>
-            <p:seq concurrent="1" nextAc="seek">
-              <p:cTn id="2" dur="indefinite" nodeType="mainSeq">
-                <p:childTnLst>
-                  <p:par>
-                    <p:cTn id="3" fill="hold">
-                      <p:stCondLst>
-                        <p:cond delay="indefinite"/>
-                      </p:stCondLst>
-                      <p:childTnLst>
-                        <p:par>
-                          <p:cTn id="4" fill="hold">
-                            <p:stCondLst>
-                              <p:cond delay="0"/>
-                            </p:stCondLst>
-                            <p:childTnLst>
-                              <p:par>
-                                <p:cTn id="5" presetID="22" presetClass="entr" presetSubtype="8" fill="hold" nodeType="clickEffect">
-                                  <p:stCondLst>
-                                    <p:cond delay="0"/>
-                                  </p:stCondLst>
-                                  <p:childTnLst>
-                                    <p:set>
-                                      <p:cBhvr>
-                                        <p:cTn id="6" dur="1" fill="hold">
-                                          <p:stCondLst>
-                                            <p:cond delay="0"/>
-                                          </p:stCondLst>
-                                        </p:cTn>
-                                        <p:tgtEl>
-                                          <p:spTgt spid="4">
-                                            <p:txEl>
-                                              <p:pRg st="2" end="2"/>
-                                            </p:txEl>
-                                          </p:spTgt>
-                                        </p:tgtEl>
-                                        <p:attrNameLst>
-                                          <p:attrName>style.visibility</p:attrName>
-                                        </p:attrNameLst>
-                                      </p:cBhvr>
-                                      <p:to>
-                                        <p:strVal val="visible"/>
-                                      </p:to>
-                                    </p:set>
-                                    <p:animEffect transition="in" filter="wipe(left)">
-                                      <p:cBhvr>
-                                        <p:cTn id="7" dur="1000"/>
-                                        <p:tgtEl>
-                                          <p:spTgt spid="4">
-                                            <p:txEl>
-                                              <p:pRg st="2" end="2"/>
-                                            </p:txEl>
-                                          </p:spTgt>
-                                        </p:tgtEl>
-                                      </p:cBhvr>
-                                    </p:animEffect>
-                                  </p:childTnLst>
-                                </p:cTn>
-                              </p:par>
-                            </p:childTnLst>
-                          </p:cTn>
-                        </p:par>
-                      </p:childTnLst>
-                    </p:cTn>
-                  </p:par>
-                </p:childTnLst>
-              </p:cTn>
-              <p:prevCondLst>
-                <p:cond evt="onPrev" delay="0">
-                  <p:tgtEl>
-                    <p:sldTgt/>
-                  </p:tgtEl>
-                </p:cond>
-              </p:prevCondLst>
-              <p:nextCondLst>
-                <p:cond evt="onNext" delay="0">
-                  <p:tgtEl>
-                    <p:sldTgt/>
-                  </p:tgtEl>
-                </p:cond>
-              </p:nextCondLst>
-            </p:seq>
-          </p:childTnLst>
-        </p:cTn>
+        <p:cTn xmlns:p14="http://schemas.microsoft.com/office/powerpoint/2010/main" id="1" dur="indefinite" restart="never" nodeType="tmRoot"/>
       </p:par>
     </p:tnLst>
   </p:timing>
 </p:sld>
 </file>
 
-<file path=ppt/slides/slide15.xml><?xml version="1.0" encoding="utf-8"?>
+<file path=ppt/slides/slide14.xml><?xml version="1.0" encoding="utf-8"?>
 <p:sld xmlns:a="http://schemas.openxmlformats.org/drawingml/2006/main" xmlns:r="http://schemas.openxmlformats.org/officeDocument/2006/relationships" xmlns:p="http://schemas.openxmlformats.org/presentationml/2006/main">
   <p:cSld>
     <p:spTree>
@@ -4143,25 +4035,25 @@
           <p:nvPr>
             <p:extLst>
               <p:ext uri="{D42A27DB-BD31-4B8C-83A1-F6EECF244321}">
-                <p14:modId xmlns:p14="http://schemas.microsoft.com/office/powerpoint/2010/main" val="2419155273"/>
+                <p14:modId xmlns:p14="http://schemas.microsoft.com/office/powerpoint/2010/main" val="756851647"/>
               </p:ext>
             </p:extLst>
           </p:nvPr>
         </p:nvGraphicFramePr>
         <p:xfrm>
-          <a:off x="1644723" y="2837093"/>
-          <a:ext cx="5778067" cy="1499607"/>
+          <a:off x="2170113" y="3024188"/>
+          <a:ext cx="4727575" cy="1125537"/>
         </p:xfrm>
         <a:graphic>
           <a:graphicData uri="http://schemas.openxmlformats.org/presentationml/2006/ole">
             <mc:AlternateContent xmlns:mc="http://schemas.openxmlformats.org/markup-compatibility/2006">
               <mc:Choice xmlns:v="urn:schemas-microsoft-com:vml" Requires="v">
-                <p:oleObj spid="_x0000_s94216" name="Equation" r:id="rId3" imgW="977900" imgH="254000" progId="Equation.DSMT4">
+                <p:oleObj spid="_x0000_s102403" name="Equation" r:id="rId3" imgW="800100" imgH="190500" progId="Equation.DSMT4">
                   <p:embed/>
                 </p:oleObj>
               </mc:Choice>
               <mc:Fallback>
-                <p:oleObj name="Equation" r:id="rId3" imgW="977900" imgH="254000" progId="Equation.DSMT4">
+                <p:oleObj name="Equation" r:id="rId3" imgW="800100" imgH="190500" progId="Equation.DSMT4">
                   <p:embed/>
                   <p:pic>
                     <p:nvPicPr>
@@ -4177,8 +4069,8 @@
                     </p:blipFill>
                     <p:spPr>
                       <a:xfrm>
-                        <a:off x="1644723" y="2837093"/>
-                        <a:ext cx="5778067" cy="1499607"/>
+                        <a:off x="2170113" y="3024188"/>
+                        <a:ext cx="4727575" cy="1125537"/>
                       </a:xfrm>
                       <a:prstGeom prst="rect">
                         <a:avLst/>
@@ -4199,7 +4091,7 @@
         </p:nvSpPr>
         <p:spPr>
           <a:xfrm>
-            <a:off x="748938" y="4633922"/>
+            <a:off x="748938" y="4269152"/>
             <a:ext cx="7649300" cy="923330"/>
           </a:xfrm>
           <a:prstGeom prst="rect">
@@ -4239,21 +4131,78 @@
       </p:sp>
       <p:grpSp>
         <p:nvGrpSpPr>
-          <p:cNvPr id="10" name="Group 9"/>
+          <p:cNvPr id="2" name="Group 1"/>
           <p:cNvGrpSpPr/>
           <p:nvPr/>
         </p:nvGrpSpPr>
         <p:grpSpPr>
           <a:xfrm>
-            <a:off x="1651000" y="111707"/>
-            <a:ext cx="7036982" cy="1347370"/>
-            <a:chOff x="1651000" y="111707"/>
-            <a:chExt cx="7036982" cy="1347370"/>
+            <a:off x="1461832" y="93337"/>
+            <a:ext cx="6825174" cy="1203620"/>
+            <a:chOff x="1151056" y="93337"/>
+            <a:chExt cx="6825174" cy="1203620"/>
           </a:xfrm>
         </p:grpSpPr>
+        <p:graphicFrame>
+          <p:nvGraphicFramePr>
+            <p:cNvPr id="11" name="Object 10"/>
+            <p:cNvGraphicFramePr>
+              <a:graphicFrameLocks noChangeAspect="1"/>
+            </p:cNvGraphicFramePr>
+            <p:nvPr>
+              <p:extLst>
+                <p:ext uri="{D42A27DB-BD31-4B8C-83A1-F6EECF244321}">
+                  <p14:modId xmlns:p14="http://schemas.microsoft.com/office/powerpoint/2010/main" val="279959194"/>
+                </p:ext>
+              </p:extLst>
+            </p:nvPr>
+          </p:nvGraphicFramePr>
+          <p:xfrm>
+            <a:off x="7080880" y="167595"/>
+            <a:ext cx="895350" cy="896938"/>
+          </p:xfrm>
+          <a:graphic>
+            <a:graphicData uri="http://schemas.openxmlformats.org/presentationml/2006/ole">
+              <mc:AlternateContent xmlns:mc="http://schemas.openxmlformats.org/markup-compatibility/2006">
+                <mc:Choice xmlns:v="urn:schemas-microsoft-com:vml" Requires="v">
+                  <p:oleObj spid="_x0000_s102404" name="Equation" r:id="rId5" imgW="165100" imgH="165100" progId="Equation.DSMT4">
+                    <p:embed/>
+                  </p:oleObj>
+                </mc:Choice>
+                <mc:Fallback>
+                  <p:oleObj name="Equation" r:id="rId5" imgW="165100" imgH="165100" progId="Equation.DSMT4">
+                    <p:embed/>
+                    <p:pic>
+                      <p:nvPicPr>
+                        <p:cNvPr id="0" name=""/>
+                        <p:cNvPicPr/>
+                        <p:nvPr/>
+                      </p:nvPicPr>
+                      <p:blipFill>
+                        <a:blip r:embed="rId6"/>
+                        <a:stretch>
+                          <a:fillRect/>
+                        </a:stretch>
+                      </p:blipFill>
+                      <p:spPr>
+                        <a:xfrm>
+                          <a:off x="7080880" y="167595"/>
+                          <a:ext cx="895350" cy="896938"/>
+                        </a:xfrm>
+                        <a:prstGeom prst="rect">
+                          <a:avLst/>
+                        </a:prstGeom>
+                      </p:spPr>
+                    </p:pic>
+                  </p:oleObj>
+                </mc:Fallback>
+              </mc:AlternateContent>
+            </a:graphicData>
+          </a:graphic>
+        </p:graphicFrame>
         <p:sp>
           <p:nvSpPr>
-            <p:cNvPr id="9" name="Title 1"/>
+            <p:cNvPr id="12" name="Title 1"/>
             <p:cNvSpPr txBox="1">
               <a:spLocks/>
             </p:cNvSpPr>
@@ -4261,8 +4210,8 @@
           </p:nvSpPr>
           <p:spPr bwMode="auto">
             <a:xfrm>
-              <a:off x="1651000" y="363537"/>
-              <a:ext cx="7036982" cy="1095540"/>
+              <a:off x="1151056" y="93337"/>
+              <a:ext cx="6212780" cy="1203620"/>
             </a:xfrm>
             <a:prstGeom prst="rect">
               <a:avLst/>
@@ -4421,77 +4370,19 @@
               </a:lvl9pPr>
             </a:lstStyle>
             <a:p>
-              <a:pPr algn="l"/>
               <a:r>
-                <a:rPr lang="en-US" sz="4000" dirty="0" smtClean="0"/>
-                <a:t>Sequences of </a:t>
+                <a:rPr lang="en-US" sz="4400" dirty="0" smtClean="0"/>
+                <a:t>Finite Sequences of</a:t>
               </a:r>
-              <a:endParaRPr lang="en-US" sz="4000" dirty="0"/>
+              <a:endParaRPr lang="en-US" sz="4400" dirty="0"/>
             </a:p>
           </p:txBody>
         </p:sp>
-        <p:graphicFrame>
-          <p:nvGraphicFramePr>
-            <p:cNvPr id="3" name="Object 2"/>
-            <p:cNvGraphicFramePr>
-              <a:graphicFrameLocks noChangeAspect="1"/>
-            </p:cNvGraphicFramePr>
-            <p:nvPr>
-              <p:extLst>
-                <p:ext uri="{D42A27DB-BD31-4B8C-83A1-F6EECF244321}">
-                  <p14:modId xmlns:p14="http://schemas.microsoft.com/office/powerpoint/2010/main" val="2429659761"/>
-                </p:ext>
-              </p:extLst>
-            </p:nvPr>
-          </p:nvGraphicFramePr>
-          <p:xfrm>
-            <a:off x="5254442" y="111707"/>
-            <a:ext cx="1171739" cy="1171739"/>
-          </p:xfrm>
-          <a:graphic>
-            <a:graphicData uri="http://schemas.openxmlformats.org/presentationml/2006/ole">
-              <mc:AlternateContent xmlns:mc="http://schemas.openxmlformats.org/markup-compatibility/2006">
-                <mc:Choice xmlns:v="urn:schemas-microsoft-com:vml" Requires="v">
-                  <p:oleObj spid="_x0000_s94217" name="Equation" r:id="rId5" imgW="215900" imgH="215900" progId="Equation.DSMT4">
-                    <p:embed/>
-                  </p:oleObj>
-                </mc:Choice>
-                <mc:Fallback>
-                  <p:oleObj name="Equation" r:id="rId5" imgW="215900" imgH="215900" progId="Equation.DSMT4">
-                    <p:embed/>
-                    <p:pic>
-                      <p:nvPicPr>
-                        <p:cNvPr id="0" name=""/>
-                        <p:cNvPicPr/>
-                        <p:nvPr/>
-                      </p:nvPicPr>
-                      <p:blipFill>
-                        <a:blip r:embed="rId6"/>
-                        <a:stretch>
-                          <a:fillRect/>
-                        </a:stretch>
-                      </p:blipFill>
-                      <p:spPr>
-                        <a:xfrm>
-                          <a:off x="5254442" y="111707"/>
-                          <a:ext cx="1171739" cy="1171739"/>
-                        </a:xfrm>
-                        <a:prstGeom prst="rect">
-                          <a:avLst/>
-                        </a:prstGeom>
-                      </p:spPr>
-                    </p:pic>
-                  </p:oleObj>
-                </mc:Fallback>
-              </mc:AlternateContent>
-            </a:graphicData>
-          </a:graphic>
-        </p:graphicFrame>
       </p:grpSp>
     </p:spTree>
     <p:extLst>
       <p:ext uri="{BB962C8B-B14F-4D97-AF65-F5344CB8AC3E}">
-        <p14:creationId xmlns:p14="http://schemas.microsoft.com/office/powerpoint/2010/main" val="4001114268"/>
+        <p14:creationId xmlns:p14="http://schemas.microsoft.com/office/powerpoint/2010/main" val="955265582"/>
       </p:ext>
     </p:extLst>
   </p:cSld>
@@ -4522,7 +4413,7 @@
                             </p:stCondLst>
                             <p:childTnLst>
                               <p:par>
-                                <p:cTn id="5" presetID="10" presetClass="entr" presetSubtype="0" fill="hold" grpId="0" nodeType="clickEffect">
+                                <p:cTn id="5" presetID="22" presetClass="entr" presetSubtype="8" fill="hold" nodeType="clickEffect">
                                   <p:stCondLst>
                                     <p:cond delay="0"/>
                                   </p:stCondLst>
@@ -4530,6 +4421,59 @@
                                     <p:set>
                                       <p:cBhvr>
                                         <p:cTn id="6" dur="1" fill="hold">
+                                          <p:stCondLst>
+                                            <p:cond delay="0"/>
+                                          </p:stCondLst>
+                                        </p:cTn>
+                                        <p:tgtEl>
+                                          <p:spTgt spid="5"/>
+                                        </p:tgtEl>
+                                        <p:attrNameLst>
+                                          <p:attrName>style.visibility</p:attrName>
+                                        </p:attrNameLst>
+                                      </p:cBhvr>
+                                      <p:to>
+                                        <p:strVal val="visible"/>
+                                      </p:to>
+                                    </p:set>
+                                    <p:animEffect transition="in" filter="wipe(left)">
+                                      <p:cBhvr>
+                                        <p:cTn id="7" dur="1000"/>
+                                        <p:tgtEl>
+                                          <p:spTgt spid="5"/>
+                                        </p:tgtEl>
+                                      </p:cBhvr>
+                                    </p:animEffect>
+                                  </p:childTnLst>
+                                </p:cTn>
+                              </p:par>
+                            </p:childTnLst>
+                          </p:cTn>
+                        </p:par>
+                      </p:childTnLst>
+                    </p:cTn>
+                  </p:par>
+                  <p:par>
+                    <p:cTn id="8" fill="hold">
+                      <p:stCondLst>
+                        <p:cond delay="indefinite"/>
+                      </p:stCondLst>
+                      <p:childTnLst>
+                        <p:par>
+                          <p:cTn id="9" fill="hold">
+                            <p:stCondLst>
+                              <p:cond delay="0"/>
+                            </p:stCondLst>
+                            <p:childTnLst>
+                              <p:par>
+                                <p:cTn id="10" presetID="10" presetClass="entr" presetSubtype="0" fill="hold" grpId="0" nodeType="clickEffect">
+                                  <p:stCondLst>
+                                    <p:cond delay="0"/>
+                                  </p:stCondLst>
+                                  <p:childTnLst>
+                                    <p:set>
+                                      <p:cBhvr>
+                                        <p:cTn id="11" dur="1" fill="hold">
                                           <p:stCondLst>
                                             <p:cond delay="0"/>
                                           </p:stCondLst>
@@ -4547,7 +4491,7 @@
                                     </p:set>
                                     <p:animEffect transition="in" filter="fade">
                                       <p:cBhvr>
-                                        <p:cTn id="7" dur="500"/>
+                                        <p:cTn id="12" dur="500"/>
                                         <p:tgtEl>
                                           <p:spTgt spid="6"/>
                                         </p:tgtEl>
@@ -4590,7 +4534,7 @@
 </p:sld>
 </file>
 
-<file path=ppt/slides/slide16.xml><?xml version="1.0" encoding="utf-8"?>
+<file path=ppt/slides/slide15.xml><?xml version="1.0" encoding="utf-8"?>
 <p:sld xmlns:a="http://schemas.openxmlformats.org/drawingml/2006/main" xmlns:r="http://schemas.openxmlformats.org/officeDocument/2006/relationships" xmlns:p="http://schemas.openxmlformats.org/presentationml/2006/main">
   <p:cSld>
     <p:spTree>
@@ -4629,7 +4573,7 @@
           <a:graphicData uri="http://schemas.openxmlformats.org/presentationml/2006/ole">
             <mc:AlternateContent xmlns:mc="http://schemas.openxmlformats.org/markup-compatibility/2006">
               <mc:Choice xmlns:v="urn:schemas-microsoft-com:vml" Requires="v">
-                <p:oleObj spid="_x0000_s95242" name="Equation" r:id="rId3" imgW="990600" imgH="266700" progId="Equation.DSMT4">
+                <p:oleObj spid="_x0000_s95252" name="Equation" r:id="rId3" imgW="990600" imgH="266700" progId="Equation.DSMT4">
                   <p:embed/>
                 </p:oleObj>
               </mc:Choice>
@@ -4764,7 +4708,7 @@
             <a:graphicData uri="http://schemas.openxmlformats.org/presentationml/2006/ole">
               <mc:AlternateContent xmlns:mc="http://schemas.openxmlformats.org/markup-compatibility/2006">
                 <mc:Choice xmlns:v="urn:schemas-microsoft-com:vml" Requires="v">
-                  <p:oleObj spid="_x0000_s95243" name="Equation" r:id="rId5" imgW="444500" imgH="254000" progId="Equation.DSMT4">
+                  <p:oleObj spid="_x0000_s95253" name="Equation" r:id="rId5" imgW="444500" imgH="254000" progId="Equation.DSMT4">
                     <p:embed/>
                   </p:oleObj>
                 </mc:Choice>
@@ -5015,7 +4959,7 @@
             <a:graphicData uri="http://schemas.openxmlformats.org/presentationml/2006/ole">
               <mc:AlternateContent xmlns:mc="http://schemas.openxmlformats.org/markup-compatibility/2006">
                 <mc:Choice xmlns:v="urn:schemas-microsoft-com:vml" Requires="v">
-                  <p:oleObj spid="_x0000_s95244" name="Equation" r:id="rId7" imgW="215900" imgH="215900" progId="Equation.DSMT4">
+                  <p:oleObj spid="_x0000_s95254" name="Equation" r:id="rId7" imgW="215900" imgH="215900" progId="Equation.DSMT4">
                     <p:embed/>
                   </p:oleObj>
                 </mc:Choice>
@@ -5334,13 +5278,13 @@
   <p:clrMapOvr>
     <a:masterClrMapping/>
   </p:clrMapOvr>
-  <mc:AlternateContent xmlns:mc="http://schemas.openxmlformats.org/markup-compatibility/2006">
-    <mc:Choice xmlns:p14="http://schemas.microsoft.com/office/powerpoint/2010/main" Requires="p14">
+  <mc:AlternateContent xmlns:mc="http://schemas.openxmlformats.org/markup-compatibility/2006" xmlns:p14="http://schemas.microsoft.com/office/powerpoint/2010/main">
+    <mc:Choice Requires="p14">
       <p:transition spd="slow" p14:dur="1100" advClick="0">
         <p:fade thruBlk="1"/>
       </p:transition>
     </mc:Choice>
-    <mc:Fallback>
+    <mc:Fallback xmlns="">
       <p:transition xmlns:p14="http://schemas.microsoft.com/office/powerpoint/2010/main" spd="slow" advClick="0">
         <p:fade thruBlk="1"/>
       </p:transition>
@@ -5723,7 +5667,7 @@
           <a:graphicData uri="http://schemas.openxmlformats.org/presentationml/2006/ole">
             <mc:AlternateContent xmlns:mc="http://schemas.openxmlformats.org/markup-compatibility/2006">
               <mc:Choice xmlns:v="urn:schemas-microsoft-com:vml" Requires="v">
-                <p:oleObj spid="_x0000_s1033" name="Equation" r:id="rId3" imgW="2133600" imgH="1168400" progId="Equation.DSMT4">
+                <p:oleObj spid="_x0000_s1037" name="Equation" r:id="rId3" imgW="2133600" imgH="1168400" progId="Equation.DSMT4">
                   <p:embed/>
                 </p:oleObj>
               </mc:Choice>
@@ -6046,7 +5990,7 @@
           <a:graphicData uri="http://schemas.openxmlformats.org/presentationml/2006/ole">
             <mc:AlternateContent xmlns:mc="http://schemas.openxmlformats.org/markup-compatibility/2006">
               <mc:Choice xmlns:v="urn:schemas-microsoft-com:vml" Requires="v">
-                <p:oleObj spid="_x0000_s88072" name="Equation" r:id="rId3" imgW="2133600" imgH="1168400" progId="Equation.DSMT4">
+                <p:oleObj spid="_x0000_s88076" name="Equation" r:id="rId3" imgW="2133600" imgH="1168400" progId="Equation.DSMT4">
                   <p:embed/>
                 </p:oleObj>
               </mc:Choice>
@@ -6119,13 +6063,13 @@
   <p:clrMapOvr>
     <a:masterClrMapping/>
   </p:clrMapOvr>
-  <mc:AlternateContent xmlns:mc="http://schemas.openxmlformats.org/markup-compatibility/2006">
-    <mc:Choice xmlns:p14="http://schemas.microsoft.com/office/powerpoint/2010/main" Requires="p14">
+  <mc:AlternateContent xmlns:mc="http://schemas.openxmlformats.org/markup-compatibility/2006" xmlns:p14="http://schemas.microsoft.com/office/powerpoint/2010/main">
+    <mc:Choice Requires="p14">
       <p:transition spd="slow" p14:dur="800" advClick="0">
         <p:fade/>
       </p:transition>
     </mc:Choice>
-    <mc:Fallback>
+    <mc:Fallback xmlns="">
       <p:transition xmlns:p14="http://schemas.microsoft.com/office/powerpoint/2010/main" spd="slow" advClick="0">
         <p:fade/>
       </p:transition>
@@ -6180,7 +6124,7 @@
           <a:graphicData uri="http://schemas.openxmlformats.org/presentationml/2006/ole">
             <mc:AlternateContent xmlns:mc="http://schemas.openxmlformats.org/markup-compatibility/2006">
               <mc:Choice xmlns:v="urn:schemas-microsoft-com:vml" Requires="v">
-                <p:oleObj spid="_x0000_s86022" name="Equation" r:id="rId3" imgW="2209800" imgH="1168400" progId="Equation.DSMT4">
+                <p:oleObj spid="_x0000_s86026" name="Equation" r:id="rId3" imgW="2209800" imgH="1168400" progId="Equation.DSMT4">
                   <p:embed/>
                 </p:oleObj>
               </mc:Choice>
@@ -6323,13 +6267,13 @@
   <p:clrMapOvr>
     <a:masterClrMapping/>
   </p:clrMapOvr>
-  <mc:AlternateContent xmlns:mc="http://schemas.openxmlformats.org/markup-compatibility/2006">
-    <mc:Choice xmlns:p14="http://schemas.microsoft.com/office/powerpoint/2010/main" Requires="p14">
+  <mc:AlternateContent xmlns:mc="http://schemas.openxmlformats.org/markup-compatibility/2006" xmlns:p14="http://schemas.microsoft.com/office/powerpoint/2010/main">
+    <mc:Choice Requires="p14">
       <p:transition spd="med" p14:dur="700" advClick="0">
         <p:fade/>
       </p:transition>
     </mc:Choice>
-    <mc:Fallback>
+    <mc:Fallback xmlns="">
       <p:transition xmlns:p14="http://schemas.microsoft.com/office/powerpoint/2010/main" spd="med" advClick="0">
         <p:fade/>
       </p:transition>
@@ -6384,7 +6328,7 @@
           <a:graphicData uri="http://schemas.openxmlformats.org/presentationml/2006/ole">
             <mc:AlternateContent xmlns:mc="http://schemas.openxmlformats.org/markup-compatibility/2006">
               <mc:Choice xmlns:v="urn:schemas-microsoft-com:vml" Requires="v">
-                <p:oleObj spid="_x0000_s89094" name="Equation" r:id="rId3" imgW="2209800" imgH="1231900" progId="Equation.DSMT4">
+                <p:oleObj spid="_x0000_s89098" name="Equation" r:id="rId3" imgW="2209800" imgH="1231900" progId="Equation.DSMT4">
                   <p:embed/>
                 </p:oleObj>
               </mc:Choice>
@@ -6527,13 +6471,13 @@
   <p:clrMapOvr>
     <a:masterClrMapping/>
   </p:clrMapOvr>
-  <mc:AlternateContent xmlns:mc="http://schemas.openxmlformats.org/markup-compatibility/2006">
-    <mc:Choice xmlns:p14="http://schemas.microsoft.com/office/powerpoint/2010/main" Requires="p14">
+  <mc:AlternateContent xmlns:mc="http://schemas.openxmlformats.org/markup-compatibility/2006" xmlns:p14="http://schemas.microsoft.com/office/powerpoint/2010/main">
+    <mc:Choice Requires="p14">
       <p:transition spd="med" p14:dur="700" advClick="0">
         <p:fade/>
       </p:transition>
     </mc:Choice>
-    <mc:Fallback>
+    <mc:Fallback xmlns="">
       <p:transition xmlns:p14="http://schemas.microsoft.com/office/powerpoint/2010/main" spd="med" advClick="0">
         <p:fade/>
       </p:transition>
@@ -6588,7 +6532,7 @@
           <a:graphicData uri="http://schemas.openxmlformats.org/presentationml/2006/ole">
             <mc:AlternateContent xmlns:mc="http://schemas.openxmlformats.org/markup-compatibility/2006">
               <mc:Choice xmlns:v="urn:schemas-microsoft-com:vml" Requires="v">
-                <p:oleObj spid="_x0000_s90117" name="Equation" r:id="rId3" imgW="2209800" imgH="1282700" progId="Equation.DSMT4">
+                <p:oleObj spid="_x0000_s90121" name="Equation" r:id="rId3" imgW="2209800" imgH="1282700" progId="Equation.DSMT4">
                   <p:embed/>
                 </p:oleObj>
               </mc:Choice>
@@ -6731,13 +6675,13 @@
   <p:clrMapOvr>
     <a:masterClrMapping/>
   </p:clrMapOvr>
-  <mc:AlternateContent xmlns:mc="http://schemas.openxmlformats.org/markup-compatibility/2006">
-    <mc:Choice xmlns:p14="http://schemas.microsoft.com/office/powerpoint/2010/main" Requires="p14">
+  <mc:AlternateContent xmlns:mc="http://schemas.openxmlformats.org/markup-compatibility/2006" xmlns:p14="http://schemas.microsoft.com/office/powerpoint/2010/main">
+    <mc:Choice Requires="p14">
       <p:transition spd="med" p14:dur="600" advClick="0">
         <p:fade/>
       </p:transition>
     </mc:Choice>
-    <mc:Fallback>
+    <mc:Fallback xmlns="">
       <p:transition xmlns:p14="http://schemas.microsoft.com/office/powerpoint/2010/main" spd="med" advClick="0">
         <p:fade/>
       </p:transition>
@@ -6792,7 +6736,7 @@
           <a:graphicData uri="http://schemas.openxmlformats.org/presentationml/2006/ole">
             <mc:AlternateContent xmlns:mc="http://schemas.openxmlformats.org/markup-compatibility/2006">
               <mc:Choice xmlns:v="urn:schemas-microsoft-com:vml" Requires="v">
-                <p:oleObj spid="_x0000_s91141" name="Equation" r:id="rId3" imgW="2425700" imgH="1384300" progId="Equation.DSMT4">
+                <p:oleObj spid="_x0000_s91145" name="Equation" r:id="rId3" imgW="2425700" imgH="1384300" progId="Equation.DSMT4">
                   <p:embed/>
                 </p:oleObj>
               </mc:Choice>
@@ -6935,13 +6879,13 @@
   <p:clrMapOvr>
     <a:masterClrMapping/>
   </p:clrMapOvr>
-  <mc:AlternateContent xmlns:mc="http://schemas.openxmlformats.org/markup-compatibility/2006">
-    <mc:Choice xmlns:p14="http://schemas.microsoft.com/office/powerpoint/2010/main" Requires="p14">
+  <mc:AlternateContent xmlns:mc="http://schemas.openxmlformats.org/markup-compatibility/2006" xmlns:p14="http://schemas.microsoft.com/office/powerpoint/2010/main">
+    <mc:Choice Requires="p14">
       <p:transition spd="slow" p14:dur="800" advClick="0">
         <p:fade/>
       </p:transition>
     </mc:Choice>
-    <mc:Fallback>
+    <mc:Fallback xmlns="">
       <p:transition xmlns:p14="http://schemas.microsoft.com/office/powerpoint/2010/main" spd="slow" advClick="0">
         <p:fade/>
       </p:transition>
@@ -7070,7 +7014,7 @@
           <a:graphicData uri="http://schemas.openxmlformats.org/presentationml/2006/ole">
             <mc:AlternateContent xmlns:mc="http://schemas.openxmlformats.org/markup-compatibility/2006">
               <mc:Choice xmlns:v="urn:schemas-microsoft-com:vml" Requires="v">
-                <p:oleObj spid="_x0000_s92166" name="Equation" r:id="rId3" imgW="990600" imgH="393700" progId="Equation.DSMT4">
+                <p:oleObj spid="_x0000_s92170" name="Equation" r:id="rId3" imgW="990600" imgH="393700" progId="Equation.DSMT4">
                   <p:embed/>
                 </p:oleObj>
               </mc:Choice>
@@ -7115,13 +7059,13 @@
   <p:clrMapOvr>
     <a:masterClrMapping/>
   </p:clrMapOvr>
-  <mc:AlternateContent xmlns:mc="http://schemas.openxmlformats.org/markup-compatibility/2006">
-    <mc:Choice xmlns:p14="http://schemas.microsoft.com/office/powerpoint/2010/main" Requires="p14">
+  <mc:AlternateContent xmlns:mc="http://schemas.openxmlformats.org/markup-compatibility/2006" xmlns:p14="http://schemas.microsoft.com/office/powerpoint/2010/main">
+    <mc:Choice Requires="p14">
       <p:transition spd="slow" p14:dur="800" advClick="0">
         <p:fade thruBlk="1"/>
       </p:transition>
     </mc:Choice>
-    <mc:Fallback>
+    <mc:Fallback xmlns="">
       <p:transition xmlns:p14="http://schemas.microsoft.com/office/powerpoint/2010/main" spd="slow" advClick="0">
         <p:fade thruBlk="1"/>
       </p:transition>
